--- a/2023/A0)RoutineWork/SNC8600推广计划/SNC8600推广计划.pptx
+++ b/2023/A0)RoutineWork/SNC8600推广计划/SNC8600推广计划.pptx
@@ -106,6 +106,11 @@
       </a:defRPr>
     </a:lvl9pPr>
   </p:defaultTextStyle>
+  <p:extLst>
+    <p:ext uri="{EFAFB233-063F-42B5-8137-9DF3F51BA10A}">
+      <p15:sldGuideLst xmlns:p15="http://schemas.microsoft.com/office/powerpoint/2012/main"/>
+    </p:ext>
+  </p:extLst>
 </p:presentation>
 </file>
 
@@ -997,14 +1002,29 @@
       </dgm:t>
     </dgm:pt>
     <dgm:pt modelId="{C07888F8-C940-4996-8731-737E9C52D537}">
-      <dgm:prSet phldrT="[文本]" phldr="1" custT="1"/>
+      <dgm:prSet phldrT="[文本]" custT="1"/>
       <dgm:spPr/>
       <dgm:t>
         <a:bodyPr/>
         <a:lstStyle/>
         <a:p>
           <a:pPr algn="l"/>
-          <a:endParaRPr lang="zh-CN" altLang="en-US" sz="1800" dirty="0"/>
+          <a:r>
+            <a:rPr lang="en-US" altLang="zh-CN" sz="1800" dirty="0"/>
+            <a:t>USB</a:t>
+          </a:r>
+          <a:r>
+            <a:rPr lang="zh-CN" altLang="en-US" sz="1800" dirty="0"/>
+            <a:t>耳机</a:t>
+          </a:r>
+          <a:r>
+            <a:rPr lang="en-US" altLang="zh-CN" sz="1800" dirty="0"/>
+            <a:t>/</a:t>
+          </a:r>
+          <a:r>
+            <a:rPr lang="zh-CN" altLang="en-US" sz="1800" dirty="0"/>
+            <a:t>耳放</a:t>
+          </a:r>
         </a:p>
       </dgm:t>
     </dgm:pt>
@@ -1256,7 +1276,19 @@
         <a:lstStyle/>
         <a:p>
           <a:pPr algn="l"/>
-          <a:endParaRPr lang="zh-CN" altLang="en-US" sz="1800" dirty="0"/>
+          <a:r>
+            <a:rPr lang="zh-CN" altLang="en-US" sz="1800" dirty="0"/>
+            <a:t>离线语音控制</a:t>
+          </a:r>
+          <a:r>
+            <a:rPr lang="en-US" altLang="zh-CN" sz="1800" dirty="0"/>
+            <a:t>OVKWS</a:t>
+          </a:r>
+          <a:r>
+            <a:rPr lang="zh-CN" altLang="en-US" sz="1800"/>
+            <a:t>模型</a:t>
+          </a:r>
+          <a:endParaRPr lang="en-US" altLang="zh-CN" sz="1800"/>
         </a:p>
       </dgm:t>
     </dgm:pt>
@@ -2026,7 +2058,22 @@
             </a:spcAft>
             <a:buNone/>
           </a:pPr>
-          <a:endParaRPr lang="zh-CN" altLang="en-US" sz="1800" kern="1200" dirty="0"/>
+          <a:r>
+            <a:rPr lang="en-US" altLang="zh-CN" sz="1800" kern="1200" dirty="0"/>
+            <a:t>USB</a:t>
+          </a:r>
+          <a:r>
+            <a:rPr lang="zh-CN" altLang="en-US" sz="1800" kern="1200" dirty="0"/>
+            <a:t>耳机</a:t>
+          </a:r>
+          <a:r>
+            <a:rPr lang="en-US" altLang="zh-CN" sz="1800" kern="1200" dirty="0"/>
+            <a:t>/</a:t>
+          </a:r>
+          <a:r>
+            <a:rPr lang="zh-CN" altLang="en-US" sz="1800" kern="1200" dirty="0"/>
+            <a:t>耳放</a:t>
+          </a:r>
         </a:p>
       </dsp:txBody>
       <dsp:txXfrm>
@@ -2994,7 +3041,19 @@
             </a:spcAft>
             <a:buNone/>
           </a:pPr>
-          <a:endParaRPr lang="zh-CN" altLang="en-US" sz="1800" kern="1200" dirty="0"/>
+          <a:r>
+            <a:rPr lang="zh-CN" altLang="en-US" sz="1800" kern="1200" dirty="0"/>
+            <a:t>离线语音控制</a:t>
+          </a:r>
+          <a:r>
+            <a:rPr lang="en-US" altLang="zh-CN" sz="1800" kern="1200" dirty="0"/>
+            <a:t>OVKWS</a:t>
+          </a:r>
+          <a:r>
+            <a:rPr lang="zh-CN" altLang="en-US" sz="1800" kern="1200"/>
+            <a:t>模型</a:t>
+          </a:r>
+          <a:endParaRPr lang="en-US" altLang="zh-CN" sz="1800" kern="1200"/>
         </a:p>
       </dsp:txBody>
       <dsp:txXfrm>
@@ -4921,7 +4980,7 @@
           <a:p>
             <a:fld id="{AAF5C2E0-44AE-4C43-9EDC-46B43F42171B}" type="datetimeFigureOut">
               <a:rPr lang="zh-CN" altLang="en-US" smtClean="0"/>
-              <a:t>2023/3/30</a:t>
+              <a:t>2023/4/14</a:t>
             </a:fld>
             <a:endParaRPr lang="zh-CN" altLang="en-US"/>
           </a:p>
@@ -5119,7 +5178,7 @@
           <a:p>
             <a:fld id="{AAF5C2E0-44AE-4C43-9EDC-46B43F42171B}" type="datetimeFigureOut">
               <a:rPr lang="zh-CN" altLang="en-US" smtClean="0"/>
-              <a:t>2023/3/30</a:t>
+              <a:t>2023/4/14</a:t>
             </a:fld>
             <a:endParaRPr lang="zh-CN" altLang="en-US"/>
           </a:p>
@@ -5327,7 +5386,7 @@
           <a:p>
             <a:fld id="{AAF5C2E0-44AE-4C43-9EDC-46B43F42171B}" type="datetimeFigureOut">
               <a:rPr lang="zh-CN" altLang="en-US" smtClean="0"/>
-              <a:t>2023/3/30</a:t>
+              <a:t>2023/4/14</a:t>
             </a:fld>
             <a:endParaRPr lang="zh-CN" altLang="en-US"/>
           </a:p>
@@ -5525,7 +5584,7 @@
           <a:p>
             <a:fld id="{AAF5C2E0-44AE-4C43-9EDC-46B43F42171B}" type="datetimeFigureOut">
               <a:rPr lang="zh-CN" altLang="en-US" smtClean="0"/>
-              <a:t>2023/3/30</a:t>
+              <a:t>2023/4/14</a:t>
             </a:fld>
             <a:endParaRPr lang="zh-CN" altLang="en-US"/>
           </a:p>
@@ -5800,7 +5859,7 @@
           <a:p>
             <a:fld id="{AAF5C2E0-44AE-4C43-9EDC-46B43F42171B}" type="datetimeFigureOut">
               <a:rPr lang="zh-CN" altLang="en-US" smtClean="0"/>
-              <a:t>2023/3/30</a:t>
+              <a:t>2023/4/14</a:t>
             </a:fld>
             <a:endParaRPr lang="zh-CN" altLang="en-US"/>
           </a:p>
@@ -6065,7 +6124,7 @@
           <a:p>
             <a:fld id="{AAF5C2E0-44AE-4C43-9EDC-46B43F42171B}" type="datetimeFigureOut">
               <a:rPr lang="zh-CN" altLang="en-US" smtClean="0"/>
-              <a:t>2023/3/30</a:t>
+              <a:t>2023/4/14</a:t>
             </a:fld>
             <a:endParaRPr lang="zh-CN" altLang="en-US"/>
           </a:p>
@@ -6477,7 +6536,7 @@
           <a:p>
             <a:fld id="{AAF5C2E0-44AE-4C43-9EDC-46B43F42171B}" type="datetimeFigureOut">
               <a:rPr lang="zh-CN" altLang="en-US" smtClean="0"/>
-              <a:t>2023/3/30</a:t>
+              <a:t>2023/4/14</a:t>
             </a:fld>
             <a:endParaRPr lang="zh-CN" altLang="en-US"/>
           </a:p>
@@ -6618,7 +6677,7 @@
           <a:p>
             <a:fld id="{AAF5C2E0-44AE-4C43-9EDC-46B43F42171B}" type="datetimeFigureOut">
               <a:rPr lang="zh-CN" altLang="en-US" smtClean="0"/>
-              <a:t>2023/3/30</a:t>
+              <a:t>2023/4/14</a:t>
             </a:fld>
             <a:endParaRPr lang="zh-CN" altLang="en-US"/>
           </a:p>
@@ -6731,7 +6790,7 @@
           <a:p>
             <a:fld id="{AAF5C2E0-44AE-4C43-9EDC-46B43F42171B}" type="datetimeFigureOut">
               <a:rPr lang="zh-CN" altLang="en-US" smtClean="0"/>
-              <a:t>2023/3/30</a:t>
+              <a:t>2023/4/14</a:t>
             </a:fld>
             <a:endParaRPr lang="zh-CN" altLang="en-US"/>
           </a:p>
@@ -7042,7 +7101,7 @@
           <a:p>
             <a:fld id="{AAF5C2E0-44AE-4C43-9EDC-46B43F42171B}" type="datetimeFigureOut">
               <a:rPr lang="zh-CN" altLang="en-US" smtClean="0"/>
-              <a:t>2023/3/30</a:t>
+              <a:t>2023/4/14</a:t>
             </a:fld>
             <a:endParaRPr lang="zh-CN" altLang="en-US"/>
           </a:p>
@@ -7330,7 +7389,7 @@
           <a:p>
             <a:fld id="{AAF5C2E0-44AE-4C43-9EDC-46B43F42171B}" type="datetimeFigureOut">
               <a:rPr lang="zh-CN" altLang="en-US" smtClean="0"/>
-              <a:t>2023/3/30</a:t>
+              <a:t>2023/4/14</a:t>
             </a:fld>
             <a:endParaRPr lang="zh-CN" altLang="en-US"/>
           </a:p>
@@ -7571,7 +7630,7 @@
           <a:p>
             <a:fld id="{AAF5C2E0-44AE-4C43-9EDC-46B43F42171B}" type="datetimeFigureOut">
               <a:rPr lang="zh-CN" altLang="en-US" smtClean="0"/>
-              <a:t>2023/3/30</a:t>
+              <a:t>2023/4/14</a:t>
             </a:fld>
             <a:endParaRPr lang="zh-CN" altLang="en-US"/>
           </a:p>
@@ -8116,7 +8175,7 @@
             <p:ph idx="1"/>
             <p:extLst>
               <p:ext uri="{D42A27DB-BD31-4B8C-83A1-F6EECF244321}">
-                <p14:modId xmlns:p14="http://schemas.microsoft.com/office/powerpoint/2010/main" val="918563972"/>
+                <p14:modId xmlns:p14="http://schemas.microsoft.com/office/powerpoint/2010/main" val="3727852600"/>
               </p:ext>
             </p:extLst>
           </p:nvPr>

--- a/2023/A0)RoutineWork/SNC8600推广计划/SNC8600推广计划.pptx
+++ b/2023/A0)RoutineWork/SNC8600推广计划/SNC8600推广计划.pptx
@@ -106,11 +106,6 @@
       </a:defRPr>
     </a:lvl9pPr>
   </p:defaultTextStyle>
-  <p:extLst>
-    <p:ext uri="{EFAFB233-063F-42B5-8137-9DF3F51BA10A}">
-      <p15:sldGuideLst xmlns:p15="http://schemas.microsoft.com/office/powerpoint/2012/main"/>
-    </p:ext>
-  </p:extLst>
 </p:presentation>
 </file>
 
@@ -1002,29 +997,14 @@
       </dgm:t>
     </dgm:pt>
     <dgm:pt modelId="{C07888F8-C940-4996-8731-737E9C52D537}">
-      <dgm:prSet phldrT="[文本]" custT="1"/>
+      <dgm:prSet phldrT="[文本]" phldr="1" custT="1"/>
       <dgm:spPr/>
       <dgm:t>
         <a:bodyPr/>
         <a:lstStyle/>
         <a:p>
           <a:pPr algn="l"/>
-          <a:r>
-            <a:rPr lang="en-US" altLang="zh-CN" sz="1800" dirty="0"/>
-            <a:t>USB</a:t>
-          </a:r>
-          <a:r>
-            <a:rPr lang="zh-CN" altLang="en-US" sz="1800" dirty="0"/>
-            <a:t>耳机</a:t>
-          </a:r>
-          <a:r>
-            <a:rPr lang="en-US" altLang="zh-CN" sz="1800" dirty="0"/>
-            <a:t>/</a:t>
-          </a:r>
-          <a:r>
-            <a:rPr lang="zh-CN" altLang="en-US" sz="1800" dirty="0"/>
-            <a:t>耳放</a:t>
-          </a:r>
+          <a:endParaRPr lang="zh-CN" altLang="en-US" sz="1800" dirty="0"/>
         </a:p>
       </dgm:t>
     </dgm:pt>
@@ -1276,19 +1256,7 @@
         <a:lstStyle/>
         <a:p>
           <a:pPr algn="l"/>
-          <a:r>
-            <a:rPr lang="zh-CN" altLang="en-US" sz="1800" dirty="0"/>
-            <a:t>离线语音控制</a:t>
-          </a:r>
-          <a:r>
-            <a:rPr lang="en-US" altLang="zh-CN" sz="1800" dirty="0"/>
-            <a:t>OVKWS</a:t>
-          </a:r>
-          <a:r>
-            <a:rPr lang="zh-CN" altLang="en-US" sz="1800"/>
-            <a:t>模型</a:t>
-          </a:r>
-          <a:endParaRPr lang="en-US" altLang="zh-CN" sz="1800"/>
+          <a:endParaRPr lang="zh-CN" altLang="en-US" sz="1800" dirty="0"/>
         </a:p>
       </dgm:t>
     </dgm:pt>
@@ -2058,22 +2026,7 @@
             </a:spcAft>
             <a:buNone/>
           </a:pPr>
-          <a:r>
-            <a:rPr lang="en-US" altLang="zh-CN" sz="1800" kern="1200" dirty="0"/>
-            <a:t>USB</a:t>
-          </a:r>
-          <a:r>
-            <a:rPr lang="zh-CN" altLang="en-US" sz="1800" kern="1200" dirty="0"/>
-            <a:t>耳机</a:t>
-          </a:r>
-          <a:r>
-            <a:rPr lang="en-US" altLang="zh-CN" sz="1800" kern="1200" dirty="0"/>
-            <a:t>/</a:t>
-          </a:r>
-          <a:r>
-            <a:rPr lang="zh-CN" altLang="en-US" sz="1800" kern="1200" dirty="0"/>
-            <a:t>耳放</a:t>
-          </a:r>
+          <a:endParaRPr lang="zh-CN" altLang="en-US" sz="1800" kern="1200" dirty="0"/>
         </a:p>
       </dsp:txBody>
       <dsp:txXfrm>
@@ -3041,19 +2994,7 @@
             </a:spcAft>
             <a:buNone/>
           </a:pPr>
-          <a:r>
-            <a:rPr lang="zh-CN" altLang="en-US" sz="1800" kern="1200" dirty="0"/>
-            <a:t>离线语音控制</a:t>
-          </a:r>
-          <a:r>
-            <a:rPr lang="en-US" altLang="zh-CN" sz="1800" kern="1200" dirty="0"/>
-            <a:t>OVKWS</a:t>
-          </a:r>
-          <a:r>
-            <a:rPr lang="zh-CN" altLang="en-US" sz="1800" kern="1200"/>
-            <a:t>模型</a:t>
-          </a:r>
-          <a:endParaRPr lang="en-US" altLang="zh-CN" sz="1800" kern="1200"/>
+          <a:endParaRPr lang="zh-CN" altLang="en-US" sz="1800" kern="1200" dirty="0"/>
         </a:p>
       </dsp:txBody>
       <dsp:txXfrm>
@@ -4980,7 +4921,7 @@
           <a:p>
             <a:fld id="{AAF5C2E0-44AE-4C43-9EDC-46B43F42171B}" type="datetimeFigureOut">
               <a:rPr lang="zh-CN" altLang="en-US" smtClean="0"/>
-              <a:t>2023/4/14</a:t>
+              <a:t>2023/3/30</a:t>
             </a:fld>
             <a:endParaRPr lang="zh-CN" altLang="en-US"/>
           </a:p>
@@ -5178,7 +5119,7 @@
           <a:p>
             <a:fld id="{AAF5C2E0-44AE-4C43-9EDC-46B43F42171B}" type="datetimeFigureOut">
               <a:rPr lang="zh-CN" altLang="en-US" smtClean="0"/>
-              <a:t>2023/4/14</a:t>
+              <a:t>2023/3/30</a:t>
             </a:fld>
             <a:endParaRPr lang="zh-CN" altLang="en-US"/>
           </a:p>
@@ -5386,7 +5327,7 @@
           <a:p>
             <a:fld id="{AAF5C2E0-44AE-4C43-9EDC-46B43F42171B}" type="datetimeFigureOut">
               <a:rPr lang="zh-CN" altLang="en-US" smtClean="0"/>
-              <a:t>2023/4/14</a:t>
+              <a:t>2023/3/30</a:t>
             </a:fld>
             <a:endParaRPr lang="zh-CN" altLang="en-US"/>
           </a:p>
@@ -5584,7 +5525,7 @@
           <a:p>
             <a:fld id="{AAF5C2E0-44AE-4C43-9EDC-46B43F42171B}" type="datetimeFigureOut">
               <a:rPr lang="zh-CN" altLang="en-US" smtClean="0"/>
-              <a:t>2023/4/14</a:t>
+              <a:t>2023/3/30</a:t>
             </a:fld>
             <a:endParaRPr lang="zh-CN" altLang="en-US"/>
           </a:p>
@@ -5859,7 +5800,7 @@
           <a:p>
             <a:fld id="{AAF5C2E0-44AE-4C43-9EDC-46B43F42171B}" type="datetimeFigureOut">
               <a:rPr lang="zh-CN" altLang="en-US" smtClean="0"/>
-              <a:t>2023/4/14</a:t>
+              <a:t>2023/3/30</a:t>
             </a:fld>
             <a:endParaRPr lang="zh-CN" altLang="en-US"/>
           </a:p>
@@ -6124,7 +6065,7 @@
           <a:p>
             <a:fld id="{AAF5C2E0-44AE-4C43-9EDC-46B43F42171B}" type="datetimeFigureOut">
               <a:rPr lang="zh-CN" altLang="en-US" smtClean="0"/>
-              <a:t>2023/4/14</a:t>
+              <a:t>2023/3/30</a:t>
             </a:fld>
             <a:endParaRPr lang="zh-CN" altLang="en-US"/>
           </a:p>
@@ -6536,7 +6477,7 @@
           <a:p>
             <a:fld id="{AAF5C2E0-44AE-4C43-9EDC-46B43F42171B}" type="datetimeFigureOut">
               <a:rPr lang="zh-CN" altLang="en-US" smtClean="0"/>
-              <a:t>2023/4/14</a:t>
+              <a:t>2023/3/30</a:t>
             </a:fld>
             <a:endParaRPr lang="zh-CN" altLang="en-US"/>
           </a:p>
@@ -6677,7 +6618,7 @@
           <a:p>
             <a:fld id="{AAF5C2E0-44AE-4C43-9EDC-46B43F42171B}" type="datetimeFigureOut">
               <a:rPr lang="zh-CN" altLang="en-US" smtClean="0"/>
-              <a:t>2023/4/14</a:t>
+              <a:t>2023/3/30</a:t>
             </a:fld>
             <a:endParaRPr lang="zh-CN" altLang="en-US"/>
           </a:p>
@@ -6790,7 +6731,7 @@
           <a:p>
             <a:fld id="{AAF5C2E0-44AE-4C43-9EDC-46B43F42171B}" type="datetimeFigureOut">
               <a:rPr lang="zh-CN" altLang="en-US" smtClean="0"/>
-              <a:t>2023/4/14</a:t>
+              <a:t>2023/3/30</a:t>
             </a:fld>
             <a:endParaRPr lang="zh-CN" altLang="en-US"/>
           </a:p>
@@ -7101,7 +7042,7 @@
           <a:p>
             <a:fld id="{AAF5C2E0-44AE-4C43-9EDC-46B43F42171B}" type="datetimeFigureOut">
               <a:rPr lang="zh-CN" altLang="en-US" smtClean="0"/>
-              <a:t>2023/4/14</a:t>
+              <a:t>2023/3/30</a:t>
             </a:fld>
             <a:endParaRPr lang="zh-CN" altLang="en-US"/>
           </a:p>
@@ -7389,7 +7330,7 @@
           <a:p>
             <a:fld id="{AAF5C2E0-44AE-4C43-9EDC-46B43F42171B}" type="datetimeFigureOut">
               <a:rPr lang="zh-CN" altLang="en-US" smtClean="0"/>
-              <a:t>2023/4/14</a:t>
+              <a:t>2023/3/30</a:t>
             </a:fld>
             <a:endParaRPr lang="zh-CN" altLang="en-US"/>
           </a:p>
@@ -7630,7 +7571,7 @@
           <a:p>
             <a:fld id="{AAF5C2E0-44AE-4C43-9EDC-46B43F42171B}" type="datetimeFigureOut">
               <a:rPr lang="zh-CN" altLang="en-US" smtClean="0"/>
-              <a:t>2023/4/14</a:t>
+              <a:t>2023/3/30</a:t>
             </a:fld>
             <a:endParaRPr lang="zh-CN" altLang="en-US"/>
           </a:p>
@@ -8175,7 +8116,7 @@
             <p:ph idx="1"/>
             <p:extLst>
               <p:ext uri="{D42A27DB-BD31-4B8C-83A1-F6EECF244321}">
-                <p14:modId xmlns:p14="http://schemas.microsoft.com/office/powerpoint/2010/main" val="3727852600"/>
+                <p14:modId xmlns:p14="http://schemas.microsoft.com/office/powerpoint/2010/main" val="918563972"/>
               </p:ext>
             </p:extLst>
           </p:nvPr>
